--- a/Project 1.pptx
+++ b/Project 1.pptx
@@ -7454,7 +7454,7 @@
                   <a:srgbClr val="000000"/>
                 </a:solidFill>
               </a:rPr>
-              <a:t>With a change in the format of SAT in March 2016, this report aims to analyse SAT and ACT participation rate for 2017 and 2018 and how to improve the SAT participation rate.</a:t>
+              <a:t>With a change in the format of SAT in March 2016, we aim to analyse SAT and ACT participation rate for 2017 and 2018 and how to improve the SAT participation rate.</a:t>
             </a:r>
             <a:endParaRPr b="1" sz="2400">
               <a:solidFill>

--- a/Project 1.pptx
+++ b/Project 1.pptx
@@ -812,7 +812,7 @@
   <p:cSld>
     <p:spTree>
       <p:nvGrpSpPr>
-        <p:cNvPr id="130" name="Shape 130"/>
+        <p:cNvPr id="132" name="Shape 132"/>
         <p:cNvGrpSpPr/>
         <p:nvPr/>
       </p:nvGrpSpPr>
@@ -826,7 +826,7 @@
       </p:grpSpPr>
       <p:sp>
         <p:nvSpPr>
-          <p:cNvPr id="131" name="Google Shape;131;gd5f4b554c_0_15:notes"/>
+          <p:cNvPr id="133" name="Google Shape;133;gd5f4b554c_0_15:notes"/>
           <p:cNvSpPr/>
           <p:nvPr>
             <p:ph idx="2" type="sldImg"/>
@@ -861,7 +861,7 @@
       </p:sp>
       <p:sp>
         <p:nvSpPr>
-          <p:cNvPr id="132" name="Google Shape;132;gd5f4b554c_0_15:notes"/>
+          <p:cNvPr id="134" name="Google Shape;134;gd5f4b554c_0_15:notes"/>
           <p:cNvSpPr txBox="1"/>
           <p:nvPr>
             <p:ph idx="1" type="body"/>
@@ -1010,7 +1010,7 @@
   <p:cSld>
     <p:spTree>
       <p:nvGrpSpPr>
-        <p:cNvPr id="65" name="Shape 65"/>
+        <p:cNvPr id="67" name="Shape 67"/>
         <p:cNvGrpSpPr/>
         <p:nvPr/>
       </p:nvGrpSpPr>
@@ -1024,7 +1024,7 @@
       </p:grpSpPr>
       <p:sp>
         <p:nvSpPr>
-          <p:cNvPr id="66" name="Google Shape;66;g742e3e7cd_1_33:notes"/>
+          <p:cNvPr id="68" name="Google Shape;68;g742e3e7cd_1_33:notes"/>
           <p:cNvSpPr/>
           <p:nvPr>
             <p:ph idx="2" type="sldImg"/>
@@ -1059,7 +1059,7 @@
       </p:sp>
       <p:sp>
         <p:nvSpPr>
-          <p:cNvPr id="67" name="Google Shape;67;g742e3e7cd_1_33:notes"/>
+          <p:cNvPr id="69" name="Google Shape;69;g742e3e7cd_1_33:notes"/>
           <p:cNvSpPr txBox="1"/>
           <p:nvPr>
             <p:ph idx="1" type="body"/>
@@ -1109,7 +1109,7 @@
   <p:cSld>
     <p:spTree>
       <p:nvGrpSpPr>
-        <p:cNvPr id="71" name="Shape 71"/>
+        <p:cNvPr id="73" name="Shape 73"/>
         <p:cNvGrpSpPr/>
         <p:nvPr/>
       </p:nvGrpSpPr>
@@ -1123,7 +1123,7 @@
       </p:grpSpPr>
       <p:sp>
         <p:nvSpPr>
-          <p:cNvPr id="72" name="Google Shape;72;gdadf1208f7_0_113:notes"/>
+          <p:cNvPr id="74" name="Google Shape;74;gdadf1208f7_0_113:notes"/>
           <p:cNvSpPr/>
           <p:nvPr>
             <p:ph idx="2" type="sldImg"/>
@@ -1158,7 +1158,7 @@
       </p:sp>
       <p:sp>
         <p:nvSpPr>
-          <p:cNvPr id="73" name="Google Shape;73;gdadf1208f7_0_113:notes"/>
+          <p:cNvPr id="75" name="Google Shape;75;gdadf1208f7_0_113:notes"/>
           <p:cNvSpPr txBox="1"/>
           <p:nvPr>
             <p:ph idx="1" type="body"/>
@@ -1208,7 +1208,7 @@
   <p:cSld>
     <p:spTree>
       <p:nvGrpSpPr>
-        <p:cNvPr id="83" name="Shape 83"/>
+        <p:cNvPr id="85" name="Shape 85"/>
         <p:cNvGrpSpPr/>
         <p:nvPr/>
       </p:nvGrpSpPr>
@@ -1222,7 +1222,7 @@
       </p:grpSpPr>
       <p:sp>
         <p:nvSpPr>
-          <p:cNvPr id="84" name="Google Shape;84;gd9c40d9f9_0_230:notes"/>
+          <p:cNvPr id="86" name="Google Shape;86;gd9c40d9f9_0_230:notes"/>
           <p:cNvSpPr/>
           <p:nvPr>
             <p:ph idx="2" type="sldImg"/>
@@ -1257,7 +1257,7 @@
       </p:sp>
       <p:sp>
         <p:nvSpPr>
-          <p:cNvPr id="85" name="Google Shape;85;gd9c40d9f9_0_230:notes"/>
+          <p:cNvPr id="87" name="Google Shape;87;gd9c40d9f9_0_230:notes"/>
           <p:cNvSpPr txBox="1"/>
           <p:nvPr>
             <p:ph idx="1" type="body"/>
@@ -1307,7 +1307,7 @@
   <p:cSld>
     <p:spTree>
       <p:nvGrpSpPr>
-        <p:cNvPr id="94" name="Shape 94"/>
+        <p:cNvPr id="96" name="Shape 96"/>
         <p:cNvGrpSpPr/>
         <p:nvPr/>
       </p:nvGrpSpPr>
@@ -1321,7 +1321,7 @@
       </p:grpSpPr>
       <p:sp>
         <p:nvSpPr>
-          <p:cNvPr id="95" name="Google Shape;95;gdadf1208f7_0_167:notes"/>
+          <p:cNvPr id="97" name="Google Shape;97;gdadf1208f7_0_167:notes"/>
           <p:cNvSpPr/>
           <p:nvPr>
             <p:ph idx="2" type="sldImg"/>
@@ -1356,7 +1356,7 @@
       </p:sp>
       <p:sp>
         <p:nvSpPr>
-          <p:cNvPr id="96" name="Google Shape;96;gdadf1208f7_0_167:notes"/>
+          <p:cNvPr id="98" name="Google Shape;98;gdadf1208f7_0_167:notes"/>
           <p:cNvSpPr txBox="1"/>
           <p:nvPr>
             <p:ph idx="1" type="body"/>
@@ -1406,7 +1406,7 @@
   <p:cSld>
     <p:spTree>
       <p:nvGrpSpPr>
-        <p:cNvPr id="103" name="Shape 103"/>
+        <p:cNvPr id="105" name="Shape 105"/>
         <p:cNvGrpSpPr/>
         <p:nvPr/>
       </p:nvGrpSpPr>
@@ -1420,7 +1420,7 @@
       </p:grpSpPr>
       <p:sp>
         <p:nvSpPr>
-          <p:cNvPr id="104" name="Google Shape;104;gdadf1208f7_0_130:notes"/>
+          <p:cNvPr id="106" name="Google Shape;106;gdadf1208f7_0_130:notes"/>
           <p:cNvSpPr/>
           <p:nvPr>
             <p:ph idx="2" type="sldImg"/>
@@ -1455,7 +1455,7 @@
       </p:sp>
       <p:sp>
         <p:nvSpPr>
-          <p:cNvPr id="105" name="Google Shape;105;gdadf1208f7_0_130:notes"/>
+          <p:cNvPr id="107" name="Google Shape;107;gdadf1208f7_0_130:notes"/>
           <p:cNvSpPr txBox="1"/>
           <p:nvPr>
             <p:ph idx="1" type="body"/>
@@ -1505,7 +1505,7 @@
   <p:cSld>
     <p:spTree>
       <p:nvGrpSpPr>
-        <p:cNvPr id="112" name="Shape 112"/>
+        <p:cNvPr id="114" name="Shape 114"/>
         <p:cNvGrpSpPr/>
         <p:nvPr/>
       </p:nvGrpSpPr>
@@ -1519,7 +1519,7 @@
       </p:grpSpPr>
       <p:sp>
         <p:nvSpPr>
-          <p:cNvPr id="113" name="Google Shape;113;gdadf1208f7_0_146:notes"/>
+          <p:cNvPr id="115" name="Google Shape;115;gdadf1208f7_0_146:notes"/>
           <p:cNvSpPr/>
           <p:nvPr>
             <p:ph idx="2" type="sldImg"/>
@@ -1554,7 +1554,7 @@
       </p:sp>
       <p:sp>
         <p:nvSpPr>
-          <p:cNvPr id="114" name="Google Shape;114;gdadf1208f7_0_146:notes"/>
+          <p:cNvPr id="116" name="Google Shape;116;gdadf1208f7_0_146:notes"/>
           <p:cNvSpPr txBox="1"/>
           <p:nvPr>
             <p:ph idx="1" type="body"/>
@@ -1604,7 +1604,7 @@
   <p:cSld>
     <p:spTree>
       <p:nvGrpSpPr>
-        <p:cNvPr id="121" name="Shape 121"/>
+        <p:cNvPr id="123" name="Shape 123"/>
         <p:cNvGrpSpPr/>
         <p:nvPr/>
       </p:nvGrpSpPr>
@@ -1618,7 +1618,7 @@
       </p:grpSpPr>
       <p:sp>
         <p:nvSpPr>
-          <p:cNvPr id="122" name="Google Shape;122;g742e3e7cd_0_0:notes"/>
+          <p:cNvPr id="124" name="Google Shape;124;g742e3e7cd_0_0:notes"/>
           <p:cNvSpPr/>
           <p:nvPr>
             <p:ph idx="2" type="sldImg"/>
@@ -1653,7 +1653,7 @@
       </p:sp>
       <p:sp>
         <p:nvSpPr>
-          <p:cNvPr id="123" name="Google Shape;123;g742e3e7cd_0_0:notes"/>
+          <p:cNvPr id="125" name="Google Shape;125;g742e3e7cd_0_0:notes"/>
           <p:cNvSpPr txBox="1"/>
           <p:nvPr>
             <p:ph idx="1" type="body"/>
@@ -7105,7 +7105,7 @@
   <p:cSld>
     <p:spTree>
       <p:nvGrpSpPr>
-        <p:cNvPr id="133" name="Shape 133"/>
+        <p:cNvPr id="135" name="Shape 135"/>
         <p:cNvGrpSpPr/>
         <p:nvPr/>
       </p:nvGrpSpPr>
@@ -7119,7 +7119,7 @@
       </p:grpSpPr>
       <p:sp>
         <p:nvSpPr>
-          <p:cNvPr id="134" name="Google Shape;134;p22"/>
+          <p:cNvPr id="136" name="Google Shape;136;p22"/>
           <p:cNvSpPr txBox="1"/>
           <p:nvPr>
             <p:ph idx="4294967295" type="title"/>
@@ -7159,7 +7159,7 @@
       </p:sp>
       <p:sp>
         <p:nvSpPr>
-          <p:cNvPr id="135" name="Google Shape;135;p22"/>
+          <p:cNvPr id="137" name="Google Shape;137;p22"/>
           <p:cNvSpPr txBox="1"/>
           <p:nvPr/>
         </p:nvSpPr>
@@ -7325,7 +7325,7 @@
       </p:sp>
       <p:pic>
         <p:nvPicPr>
-          <p:cNvPr id="136" name="Google Shape;136;p22"/>
+          <p:cNvPr id="138" name="Google Shape;138;p22"/>
           <p:cNvPicPr preferRelativeResize="0"/>
           <p:nvPr/>
         </p:nvPicPr>
@@ -7426,8 +7426,8 @@
         </p:nvSpPr>
         <p:spPr>
           <a:xfrm>
-            <a:off x="311700" y="1396375"/>
-            <a:ext cx="8674200" cy="3172500"/>
+            <a:off x="311700" y="985500"/>
+            <a:ext cx="8674200" cy="1409700"/>
           </a:xfrm>
           <a:prstGeom prst="rect">
             <a:avLst/>
@@ -7457,6 +7457,94 @@
               <a:t>With a change in the format of SAT in March 2016, we aim to analyse SAT and ACT participation rate for 2017 and 2018 and how to improve the SAT participation rate.</a:t>
             </a:r>
             <a:endParaRPr b="1" sz="2400">
+              <a:solidFill>
+                <a:srgbClr val="000000"/>
+              </a:solidFill>
+            </a:endParaRPr>
+          </a:p>
+        </p:txBody>
+      </p:sp>
+      <p:sp>
+        <p:nvSpPr>
+          <p:cNvPr id="65" name="Google Shape;65;p14"/>
+          <p:cNvSpPr txBox="1"/>
+          <p:nvPr>
+            <p:ph type="title"/>
+          </p:nvPr>
+        </p:nvSpPr>
+        <p:spPr>
+          <a:xfrm>
+            <a:off x="311700" y="2746025"/>
+            <a:ext cx="8520600" cy="572700"/>
+          </a:xfrm>
+          <a:prstGeom prst="rect">
+            <a:avLst/>
+          </a:prstGeom>
+        </p:spPr>
+        <p:txBody>
+          <a:bodyPr anchorCtr="0" anchor="t" bIns="91425" lIns="91425" spcFirstLastPara="1" rIns="91425" wrap="square" tIns="91425">
+            <a:normAutofit fontScale="90000"/>
+          </a:bodyPr>
+          <a:lstStyle/>
+          <a:p>
+            <a:pPr indent="0" lvl="0" marL="0" rtl="0" algn="l">
+              <a:spcBef>
+                <a:spcPts val="0"/>
+              </a:spcBef>
+              <a:spcAft>
+                <a:spcPts val="0"/>
+              </a:spcAft>
+              <a:buNone/>
+            </a:pPr>
+            <a:r>
+              <a:rPr lang="en"/>
+              <a:t>Methodology</a:t>
+            </a:r>
+            <a:endParaRPr/>
+          </a:p>
+        </p:txBody>
+      </p:sp>
+      <p:sp>
+        <p:nvSpPr>
+          <p:cNvPr id="66" name="Google Shape;66;p14"/>
+          <p:cNvSpPr txBox="1"/>
+          <p:nvPr>
+            <p:ph idx="1" type="body"/>
+          </p:nvPr>
+        </p:nvSpPr>
+        <p:spPr>
+          <a:xfrm>
+            <a:off x="250275" y="3423900"/>
+            <a:ext cx="8520600" cy="1305000"/>
+          </a:xfrm>
+          <a:prstGeom prst="rect">
+            <a:avLst/>
+          </a:prstGeom>
+        </p:spPr>
+        <p:txBody>
+          <a:bodyPr anchorCtr="0" anchor="t" bIns="91425" lIns="91425" spcFirstLastPara="1" rIns="91425" wrap="square" tIns="91425">
+            <a:noAutofit/>
+          </a:bodyPr>
+          <a:lstStyle/>
+          <a:p>
+            <a:pPr indent="0" lvl="0" marL="0" rtl="0" algn="l">
+              <a:spcBef>
+                <a:spcPts val="0"/>
+              </a:spcBef>
+              <a:spcAft>
+                <a:spcPts val="1200"/>
+              </a:spcAft>
+              <a:buNone/>
+            </a:pPr>
+            <a:r>
+              <a:rPr b="1" lang="en" sz="2200">
+                <a:solidFill>
+                  <a:srgbClr val="000000"/>
+                </a:solidFill>
+              </a:rPr>
+              <a:t>Using the data provided, I scanned through for outliers and compared them with the online data. Different visualisation tools were used to find trends.</a:t>
+            </a:r>
+            <a:endParaRPr b="1" sz="2200">
               <a:solidFill>
                 <a:srgbClr val="000000"/>
               </a:solidFill>
@@ -7477,7 +7565,7 @@
   <p:cSld>
     <p:spTree>
       <p:nvGrpSpPr>
-        <p:cNvPr id="68" name="Shape 68"/>
+        <p:cNvPr id="70" name="Shape 70"/>
         <p:cNvGrpSpPr/>
         <p:nvPr/>
       </p:nvGrpSpPr>
@@ -7491,7 +7579,7 @@
       </p:grpSpPr>
       <p:sp>
         <p:nvSpPr>
-          <p:cNvPr id="69" name="Google Shape;69;p15"/>
+          <p:cNvPr id="71" name="Google Shape;71;p15"/>
           <p:cNvSpPr txBox="1"/>
           <p:nvPr>
             <p:ph type="title"/>
@@ -7536,7 +7624,7 @@
       </p:sp>
       <p:sp>
         <p:nvSpPr>
-          <p:cNvPr id="70" name="Google Shape;70;p15"/>
+          <p:cNvPr id="72" name="Google Shape;72;p15"/>
           <p:cNvSpPr txBox="1"/>
           <p:nvPr>
             <p:ph idx="1" type="body"/>
@@ -7861,7 +7949,7 @@
   <p:cSld>
     <p:spTree>
       <p:nvGrpSpPr>
-        <p:cNvPr id="74" name="Shape 74"/>
+        <p:cNvPr id="76" name="Shape 76"/>
         <p:cNvGrpSpPr/>
         <p:nvPr/>
       </p:nvGrpSpPr>
@@ -7875,7 +7963,7 @@
       </p:grpSpPr>
       <p:pic>
         <p:nvPicPr>
-          <p:cNvPr id="75" name="Google Shape;75;p16"/>
+          <p:cNvPr id="77" name="Google Shape;77;p16"/>
           <p:cNvPicPr preferRelativeResize="0"/>
           <p:nvPr/>
         </p:nvPicPr>
@@ -7903,7 +7991,7 @@
       </p:pic>
       <p:pic>
         <p:nvPicPr>
-          <p:cNvPr id="76" name="Google Shape;76;p16"/>
+          <p:cNvPr id="78" name="Google Shape;78;p16"/>
           <p:cNvPicPr preferRelativeResize="0"/>
           <p:nvPr/>
         </p:nvPicPr>
@@ -7930,7 +8018,7 @@
       </p:pic>
       <p:sp>
         <p:nvSpPr>
-          <p:cNvPr id="77" name="Google Shape;77;p16"/>
+          <p:cNvPr id="79" name="Google Shape;79;p16"/>
           <p:cNvSpPr txBox="1"/>
           <p:nvPr/>
         </p:nvSpPr>
@@ -8028,7 +8116,7 @@
       </p:sp>
       <p:sp>
         <p:nvSpPr>
-          <p:cNvPr id="78" name="Google Shape;78;p16"/>
+          <p:cNvPr id="80" name="Google Shape;80;p16"/>
           <p:cNvSpPr/>
           <p:nvPr/>
         </p:nvSpPr>
@@ -8075,9 +8163,9 @@
       </p:sp>
       <p:cxnSp>
         <p:nvCxnSpPr>
-          <p:cNvPr id="79" name="Google Shape;79;p16"/>
+          <p:cNvPr id="81" name="Google Shape;81;p16"/>
           <p:cNvCxnSpPr>
-            <a:stCxn id="78" idx="4"/>
+            <a:stCxn id="80" idx="4"/>
           </p:cNvCxnSpPr>
           <p:nvPr/>
         </p:nvCxnSpPr>
@@ -8103,7 +8191,7 @@
       </p:cxnSp>
       <p:sp>
         <p:nvSpPr>
-          <p:cNvPr id="80" name="Google Shape;80;p16"/>
+          <p:cNvPr id="82" name="Google Shape;82;p16"/>
           <p:cNvSpPr txBox="1"/>
           <p:nvPr/>
         </p:nvSpPr>
@@ -8216,7 +8304,7 @@
       </p:sp>
       <p:sp>
         <p:nvSpPr>
-          <p:cNvPr id="81" name="Google Shape;81;p16"/>
+          <p:cNvPr id="83" name="Google Shape;83;p16"/>
           <p:cNvSpPr txBox="1"/>
           <p:nvPr/>
         </p:nvSpPr>
@@ -8274,7 +8362,7 @@
       </p:sp>
       <p:sp>
         <p:nvSpPr>
-          <p:cNvPr id="82" name="Google Shape;82;p16"/>
+          <p:cNvPr id="84" name="Google Shape;84;p16"/>
           <p:cNvSpPr txBox="1"/>
           <p:nvPr/>
         </p:nvSpPr>
@@ -8337,7 +8425,7 @@
   <p:cSld>
     <p:spTree>
       <p:nvGrpSpPr>
-        <p:cNvPr id="86" name="Shape 86"/>
+        <p:cNvPr id="88" name="Shape 88"/>
         <p:cNvGrpSpPr/>
         <p:nvPr/>
       </p:nvGrpSpPr>
@@ -8351,7 +8439,7 @@
       </p:grpSpPr>
       <p:pic>
         <p:nvPicPr>
-          <p:cNvPr id="87" name="Google Shape;87;p17"/>
+          <p:cNvPr id="89" name="Google Shape;89;p17"/>
           <p:cNvPicPr preferRelativeResize="0"/>
           <p:nvPr/>
         </p:nvPicPr>
@@ -8379,7 +8467,7 @@
       </p:pic>
       <p:sp>
         <p:nvSpPr>
-          <p:cNvPr id="88" name="Google Shape;88;p17"/>
+          <p:cNvPr id="90" name="Google Shape;90;p17"/>
           <p:cNvSpPr/>
           <p:nvPr/>
         </p:nvSpPr>
@@ -8428,7 +8516,7 @@
       </p:sp>
       <p:sp>
         <p:nvSpPr>
-          <p:cNvPr id="89" name="Google Shape;89;p17"/>
+          <p:cNvPr id="91" name="Google Shape;91;p17"/>
           <p:cNvSpPr/>
           <p:nvPr/>
         </p:nvSpPr>
@@ -8477,7 +8565,7 @@
       </p:sp>
       <p:sp>
         <p:nvSpPr>
-          <p:cNvPr id="90" name="Google Shape;90;p17"/>
+          <p:cNvPr id="92" name="Google Shape;92;p17"/>
           <p:cNvSpPr/>
           <p:nvPr/>
         </p:nvSpPr>
@@ -8526,7 +8614,7 @@
       </p:sp>
       <p:sp>
         <p:nvSpPr>
-          <p:cNvPr id="91" name="Google Shape;91;p17"/>
+          <p:cNvPr id="93" name="Google Shape;93;p17"/>
           <p:cNvSpPr/>
           <p:nvPr/>
         </p:nvSpPr>
@@ -8575,7 +8663,7 @@
       </p:sp>
       <p:sp>
         <p:nvSpPr>
-          <p:cNvPr id="92" name="Google Shape;92;p17"/>
+          <p:cNvPr id="94" name="Google Shape;94;p17"/>
           <p:cNvSpPr/>
           <p:nvPr/>
         </p:nvSpPr>
@@ -8627,7 +8715,7 @@
       </p:sp>
       <p:sp>
         <p:nvSpPr>
-          <p:cNvPr id="93" name="Google Shape;93;p17"/>
+          <p:cNvPr id="95" name="Google Shape;95;p17"/>
           <p:cNvSpPr/>
           <p:nvPr/>
         </p:nvSpPr>
@@ -8690,7 +8778,7 @@
   <p:cSld>
     <p:spTree>
       <p:nvGrpSpPr>
-        <p:cNvPr id="97" name="Shape 97"/>
+        <p:cNvPr id="99" name="Shape 99"/>
         <p:cNvGrpSpPr/>
         <p:nvPr/>
       </p:nvGrpSpPr>
@@ -8704,7 +8792,7 @@
       </p:grpSpPr>
       <p:pic>
         <p:nvPicPr>
-          <p:cNvPr id="98" name="Google Shape;98;p18"/>
+          <p:cNvPr id="100" name="Google Shape;100;p18"/>
           <p:cNvPicPr preferRelativeResize="0"/>
           <p:nvPr/>
         </p:nvPicPr>
@@ -8732,7 +8820,7 @@
       </p:pic>
       <p:pic>
         <p:nvPicPr>
-          <p:cNvPr id="99" name="Google Shape;99;p18"/>
+          <p:cNvPr id="101" name="Google Shape;101;p18"/>
           <p:cNvPicPr preferRelativeResize="0"/>
           <p:nvPr/>
         </p:nvPicPr>
@@ -8760,7 +8848,7 @@
       </p:pic>
       <p:pic>
         <p:nvPicPr>
-          <p:cNvPr id="100" name="Google Shape;100;p18"/>
+          <p:cNvPr id="102" name="Google Shape;102;p18"/>
           <p:cNvPicPr preferRelativeResize="0"/>
           <p:nvPr/>
         </p:nvPicPr>
@@ -8788,7 +8876,7 @@
       </p:pic>
       <p:pic>
         <p:nvPicPr>
-          <p:cNvPr id="101" name="Google Shape;101;p18"/>
+          <p:cNvPr id="103" name="Google Shape;103;p18"/>
           <p:cNvPicPr preferRelativeResize="0"/>
           <p:nvPr/>
         </p:nvPicPr>
@@ -8816,7 +8904,7 @@
       </p:pic>
       <p:sp>
         <p:nvSpPr>
-          <p:cNvPr id="102" name="Google Shape;102;p18"/>
+          <p:cNvPr id="104" name="Google Shape;104;p18"/>
           <p:cNvSpPr txBox="1"/>
           <p:nvPr/>
         </p:nvSpPr>
@@ -8882,7 +8970,7 @@
   <p:cSld>
     <p:spTree>
       <p:nvGrpSpPr>
-        <p:cNvPr id="106" name="Shape 106"/>
+        <p:cNvPr id="108" name="Shape 108"/>
         <p:cNvGrpSpPr/>
         <p:nvPr/>
       </p:nvGrpSpPr>
@@ -8896,7 +8984,7 @@
       </p:grpSpPr>
       <p:pic>
         <p:nvPicPr>
-          <p:cNvPr id="107" name="Google Shape;107;p19"/>
+          <p:cNvPr id="109" name="Google Shape;109;p19"/>
           <p:cNvPicPr preferRelativeResize="0"/>
           <p:nvPr/>
         </p:nvPicPr>
@@ -8924,7 +9012,7 @@
       </p:pic>
       <p:sp>
         <p:nvSpPr>
-          <p:cNvPr id="108" name="Google Shape;108;p19"/>
+          <p:cNvPr id="110" name="Google Shape;110;p19"/>
           <p:cNvSpPr/>
           <p:nvPr/>
         </p:nvSpPr>
@@ -8976,7 +9064,7 @@
       </p:sp>
       <p:sp>
         <p:nvSpPr>
-          <p:cNvPr id="109" name="Google Shape;109;p19"/>
+          <p:cNvPr id="111" name="Google Shape;111;p19"/>
           <p:cNvSpPr/>
           <p:nvPr/>
         </p:nvSpPr>
@@ -9028,7 +9116,7 @@
       </p:sp>
       <p:sp>
         <p:nvSpPr>
-          <p:cNvPr id="110" name="Google Shape;110;p19"/>
+          <p:cNvPr id="112" name="Google Shape;112;p19"/>
           <p:cNvSpPr txBox="1"/>
           <p:nvPr/>
         </p:nvSpPr>
@@ -9187,7 +9275,7 @@
       </p:sp>
       <p:sp>
         <p:nvSpPr>
-          <p:cNvPr id="111" name="Google Shape;111;p19"/>
+          <p:cNvPr id="113" name="Google Shape;113;p19"/>
           <p:cNvSpPr txBox="1"/>
           <p:nvPr/>
         </p:nvSpPr>
@@ -9250,7 +9338,7 @@
   <p:cSld>
     <p:spTree>
       <p:nvGrpSpPr>
-        <p:cNvPr id="115" name="Shape 115"/>
+        <p:cNvPr id="117" name="Shape 117"/>
         <p:cNvGrpSpPr/>
         <p:nvPr/>
       </p:nvGrpSpPr>
@@ -9264,7 +9352,7 @@
       </p:grpSpPr>
       <p:pic>
         <p:nvPicPr>
-          <p:cNvPr id="116" name="Google Shape;116;p20"/>
+          <p:cNvPr id="118" name="Google Shape;118;p20"/>
           <p:cNvPicPr preferRelativeResize="0"/>
           <p:nvPr/>
         </p:nvPicPr>
@@ -9292,7 +9380,7 @@
       </p:pic>
       <p:sp>
         <p:nvSpPr>
-          <p:cNvPr id="117" name="Google Shape;117;p20"/>
+          <p:cNvPr id="119" name="Google Shape;119;p20"/>
           <p:cNvSpPr/>
           <p:nvPr/>
         </p:nvSpPr>
@@ -9344,7 +9432,7 @@
       </p:sp>
       <p:sp>
         <p:nvSpPr>
-          <p:cNvPr id="118" name="Google Shape;118;p20"/>
+          <p:cNvPr id="120" name="Google Shape;120;p20"/>
           <p:cNvSpPr/>
           <p:nvPr/>
         </p:nvSpPr>
@@ -9396,7 +9484,7 @@
       </p:sp>
       <p:sp>
         <p:nvSpPr>
-          <p:cNvPr id="119" name="Google Shape;119;p20"/>
+          <p:cNvPr id="121" name="Google Shape;121;p20"/>
           <p:cNvSpPr txBox="1"/>
           <p:nvPr/>
         </p:nvSpPr>
@@ -9555,7 +9643,7 @@
       </p:sp>
       <p:sp>
         <p:nvSpPr>
-          <p:cNvPr id="120" name="Google Shape;120;p20"/>
+          <p:cNvPr id="122" name="Google Shape;122;p20"/>
           <p:cNvSpPr txBox="1"/>
           <p:nvPr/>
         </p:nvSpPr>
@@ -9618,7 +9706,7 @@
   <p:cSld>
     <p:spTree>
       <p:nvGrpSpPr>
-        <p:cNvPr id="124" name="Shape 124"/>
+        <p:cNvPr id="126" name="Shape 126"/>
         <p:cNvGrpSpPr/>
         <p:nvPr/>
       </p:nvGrpSpPr>
@@ -9632,7 +9720,7 @@
       </p:grpSpPr>
       <p:sp>
         <p:nvSpPr>
-          <p:cNvPr id="125" name="Google Shape;125;p21"/>
+          <p:cNvPr id="127" name="Google Shape;127;p21"/>
           <p:cNvSpPr txBox="1"/>
           <p:nvPr>
             <p:ph type="title"/>
@@ -9672,7 +9760,7 @@
       </p:sp>
       <p:sp>
         <p:nvSpPr>
-          <p:cNvPr id="126" name="Google Shape;126;p21"/>
+          <p:cNvPr id="128" name="Google Shape;128;p21"/>
           <p:cNvSpPr txBox="1"/>
           <p:nvPr>
             <p:ph idx="1" type="body"/>
@@ -9750,7 +9838,7 @@
       </p:sp>
       <p:pic>
         <p:nvPicPr>
-          <p:cNvPr id="127" name="Google Shape;127;p21"/>
+          <p:cNvPr id="129" name="Google Shape;129;p21"/>
           <p:cNvPicPr preferRelativeResize="0"/>
           <p:nvPr/>
         </p:nvPicPr>
@@ -9778,7 +9866,7 @@
       </p:pic>
       <p:sp>
         <p:nvSpPr>
-          <p:cNvPr id="128" name="Google Shape;128;p21"/>
+          <p:cNvPr id="130" name="Google Shape;130;p21"/>
           <p:cNvSpPr txBox="1"/>
           <p:nvPr/>
         </p:nvSpPr>
@@ -9830,7 +9918,7 @@
       </p:sp>
       <p:sp>
         <p:nvSpPr>
-          <p:cNvPr id="129" name="Google Shape;129;p21"/>
+          <p:cNvPr id="131" name="Google Shape;131;p21"/>
           <p:cNvSpPr txBox="1"/>
           <p:nvPr/>
         </p:nvSpPr>
